--- a/fsm.pptx
+++ b/fsm.pptx
@@ -104,6 +104,11 @@
       </a:defRPr>
     </a:lvl9pPr>
   </p:defaultTextStyle>
+  <p:extLst>
+    <p:ext uri="{EFAFB233-063F-42B5-8137-9DF3F51BA10A}">
+      <p15:sldGuideLst xmlns:p15="http://schemas.microsoft.com/office/powerpoint/2012/main"/>
+    </p:ext>
+  </p:extLst>
 </p:presentation>
 </file>
 
@@ -254,7 +259,7 @@
           <a:p>
             <a:fld id="{B9F643F3-7B13-426D-A190-D6E8C336E860}" type="datetimeFigureOut">
               <a:rPr lang="es-ES" smtClean="0"/>
-              <a:t>11/05/2022</a:t>
+              <a:t>25/05/2022</a:t>
             </a:fld>
             <a:endParaRPr lang="es-ES"/>
           </a:p>
@@ -452,7 +457,7 @@
           <a:p>
             <a:fld id="{B9F643F3-7B13-426D-A190-D6E8C336E860}" type="datetimeFigureOut">
               <a:rPr lang="es-ES" smtClean="0"/>
-              <a:t>11/05/2022</a:t>
+              <a:t>25/05/2022</a:t>
             </a:fld>
             <a:endParaRPr lang="es-ES"/>
           </a:p>
@@ -660,7 +665,7 @@
           <a:p>
             <a:fld id="{B9F643F3-7B13-426D-A190-D6E8C336E860}" type="datetimeFigureOut">
               <a:rPr lang="es-ES" smtClean="0"/>
-              <a:t>11/05/2022</a:t>
+              <a:t>25/05/2022</a:t>
             </a:fld>
             <a:endParaRPr lang="es-ES"/>
           </a:p>
@@ -858,7 +863,7 @@
           <a:p>
             <a:fld id="{B9F643F3-7B13-426D-A190-D6E8C336E860}" type="datetimeFigureOut">
               <a:rPr lang="es-ES" smtClean="0"/>
-              <a:t>11/05/2022</a:t>
+              <a:t>25/05/2022</a:t>
             </a:fld>
             <a:endParaRPr lang="es-ES"/>
           </a:p>
@@ -1133,7 +1138,7 @@
           <a:p>
             <a:fld id="{B9F643F3-7B13-426D-A190-D6E8C336E860}" type="datetimeFigureOut">
               <a:rPr lang="es-ES" smtClean="0"/>
-              <a:t>11/05/2022</a:t>
+              <a:t>25/05/2022</a:t>
             </a:fld>
             <a:endParaRPr lang="es-ES"/>
           </a:p>
@@ -1398,7 +1403,7 @@
           <a:p>
             <a:fld id="{B9F643F3-7B13-426D-A190-D6E8C336E860}" type="datetimeFigureOut">
               <a:rPr lang="es-ES" smtClean="0"/>
-              <a:t>11/05/2022</a:t>
+              <a:t>25/05/2022</a:t>
             </a:fld>
             <a:endParaRPr lang="es-ES"/>
           </a:p>
@@ -1810,7 +1815,7 @@
           <a:p>
             <a:fld id="{B9F643F3-7B13-426D-A190-D6E8C336E860}" type="datetimeFigureOut">
               <a:rPr lang="es-ES" smtClean="0"/>
-              <a:t>11/05/2022</a:t>
+              <a:t>25/05/2022</a:t>
             </a:fld>
             <a:endParaRPr lang="es-ES"/>
           </a:p>
@@ -1951,7 +1956,7 @@
           <a:p>
             <a:fld id="{B9F643F3-7B13-426D-A190-D6E8C336E860}" type="datetimeFigureOut">
               <a:rPr lang="es-ES" smtClean="0"/>
-              <a:t>11/05/2022</a:t>
+              <a:t>25/05/2022</a:t>
             </a:fld>
             <a:endParaRPr lang="es-ES"/>
           </a:p>
@@ -2064,7 +2069,7 @@
           <a:p>
             <a:fld id="{B9F643F3-7B13-426D-A190-D6E8C336E860}" type="datetimeFigureOut">
               <a:rPr lang="es-ES" smtClean="0"/>
-              <a:t>11/05/2022</a:t>
+              <a:t>25/05/2022</a:t>
             </a:fld>
             <a:endParaRPr lang="es-ES"/>
           </a:p>
@@ -2375,7 +2380,7 @@
           <a:p>
             <a:fld id="{B9F643F3-7B13-426D-A190-D6E8C336E860}" type="datetimeFigureOut">
               <a:rPr lang="es-ES" smtClean="0"/>
-              <a:t>11/05/2022</a:t>
+              <a:t>25/05/2022</a:t>
             </a:fld>
             <a:endParaRPr lang="es-ES"/>
           </a:p>
@@ -2663,7 +2668,7 @@
           <a:p>
             <a:fld id="{B9F643F3-7B13-426D-A190-D6E8C336E860}" type="datetimeFigureOut">
               <a:rPr lang="es-ES" smtClean="0"/>
-              <a:t>11/05/2022</a:t>
+              <a:t>25/05/2022</a:t>
             </a:fld>
             <a:endParaRPr lang="es-ES"/>
           </a:p>
@@ -2904,7 +2909,7 @@
           <a:p>
             <a:fld id="{B9F643F3-7B13-426D-A190-D6E8C336E860}" type="datetimeFigureOut">
               <a:rPr lang="es-ES" smtClean="0"/>
-              <a:t>11/05/2022</a:t>
+              <a:t>25/05/2022</a:t>
             </a:fld>
             <a:endParaRPr lang="es-ES"/>
           </a:p>
@@ -3372,13 +3377,37 @@
           <a:p>
             <a:pPr algn="ctr"/>
             <a:r>
+              <a:rPr lang="es-ES" sz="2800" dirty="0" err="1">
+                <a:solidFill>
+                  <a:schemeClr val="tx1"/>
+                </a:solidFill>
+              </a:rPr>
+              <a:t>deep</a:t>
+            </a:r>
+            <a:r>
               <a:rPr lang="es-ES" sz="2800" dirty="0">
                 <a:solidFill>
                   <a:schemeClr val="tx1"/>
                 </a:solidFill>
               </a:rPr>
-              <a:t>idle</a:t>
-            </a:r>
+              <a:t>_</a:t>
+            </a:r>
+          </a:p>
+          <a:p>
+            <a:pPr algn="ctr"/>
+            <a:r>
+              <a:rPr lang="es-ES" sz="2800" dirty="0" err="1">
+                <a:solidFill>
+                  <a:schemeClr val="tx1"/>
+                </a:solidFill>
+              </a:rPr>
+              <a:t>sleep</a:t>
+            </a:r>
+            <a:endParaRPr lang="es-ES" sz="2800" dirty="0">
+              <a:solidFill>
+                <a:schemeClr val="tx1"/>
+              </a:solidFill>
+            </a:endParaRPr>
           </a:p>
         </p:txBody>
       </p:sp>
@@ -3514,19 +3543,20 @@
             </a:extLst>
           </p:cNvPr>
           <p:cNvCxnSpPr>
-            <a:stCxn id="4" idx="7"/>
-            <a:endCxn id="5" idx="1"/>
+            <a:cxnSpLocks/>
+            <a:stCxn id="4" idx="6"/>
+            <a:endCxn id="5" idx="2"/>
           </p:cNvCxnSpPr>
           <p:nvPr/>
         </p:nvCxnSpPr>
         <p:spPr>
-          <a:xfrm rot="5400000" flipH="1" flipV="1">
-            <a:off x="6096001" y="-859453"/>
-            <a:ext cx="12700" cy="4292012"/>
+          <a:xfrm>
+            <a:off x="4213599" y="1922949"/>
+            <a:ext cx="3764804" cy="12700"/>
           </a:xfrm>
           <a:prstGeom prst="curvedConnector3">
             <a:avLst>
-              <a:gd name="adj1" fmla="val 3875622"/>
+              <a:gd name="adj1" fmla="val 50000"/>
             </a:avLst>
           </a:prstGeom>
           <a:ln w="19050">
@@ -3562,14 +3592,14 @@
           </p:cNvPr>
           <p:cNvCxnSpPr>
             <a:cxnSpLocks/>
-            <a:stCxn id="5" idx="3"/>
-            <a:endCxn id="4" idx="5"/>
+            <a:stCxn id="5" idx="1"/>
+            <a:endCxn id="4" idx="7"/>
           </p:cNvCxnSpPr>
           <p:nvPr/>
         </p:nvCxnSpPr>
         <p:spPr>
-          <a:xfrm rot="5400000">
-            <a:off x="6096001" y="413339"/>
+          <a:xfrm rot="16200000" flipV="1">
+            <a:off x="6096001" y="-859453"/>
             <a:ext cx="12700" cy="4292012"/>
           </a:xfrm>
           <a:prstGeom prst="curvedConnector3">
@@ -3705,7 +3735,7 @@
         </p:nvSpPr>
         <p:spPr>
           <a:xfrm>
-            <a:off x="5375694" y="414797"/>
+            <a:off x="5382909" y="1587125"/>
             <a:ext cx="1440611" cy="369332"/>
           </a:xfrm>
           <a:prstGeom prst="rect">
@@ -3894,6 +3924,91 @@
           </a:fontRef>
         </p:style>
       </p:cxnSp>
+      <p:cxnSp>
+        <p:nvCxnSpPr>
+          <p:cNvPr id="23" name="Conector: curvado 22">
+            <a:extLst>
+              <a:ext uri="{FF2B5EF4-FFF2-40B4-BE49-F238E27FC236}">
+                <a16:creationId xmlns:a16="http://schemas.microsoft.com/office/drawing/2014/main" id="{305F2AC5-D73F-F783-1ACD-7F627AB58103}"/>
+              </a:ext>
+            </a:extLst>
+          </p:cNvPr>
+          <p:cNvCxnSpPr>
+            <a:cxnSpLocks/>
+            <a:stCxn id="4" idx="5"/>
+            <a:endCxn id="6" idx="0"/>
+          </p:cNvCxnSpPr>
+          <p:nvPr/>
+        </p:nvCxnSpPr>
+        <p:spPr>
+          <a:xfrm rot="16200000" flipH="1">
+            <a:off x="4339082" y="2170257"/>
+            <a:ext cx="1367830" cy="2146005"/>
+          </a:xfrm>
+          <a:prstGeom prst="curvedConnector3">
+            <a:avLst>
+              <a:gd name="adj1" fmla="val 50000"/>
+            </a:avLst>
+          </a:prstGeom>
+          <a:ln w="19050">
+            <a:solidFill>
+              <a:schemeClr val="tx1"/>
+            </a:solidFill>
+            <a:tailEnd type="triangle"/>
+          </a:ln>
+        </p:spPr>
+        <p:style>
+          <a:lnRef idx="1">
+            <a:schemeClr val="accent1"/>
+          </a:lnRef>
+          <a:fillRef idx="0">
+            <a:schemeClr val="accent1"/>
+          </a:fillRef>
+          <a:effectRef idx="0">
+            <a:schemeClr val="accent1"/>
+          </a:effectRef>
+          <a:fontRef idx="minor">
+            <a:schemeClr val="tx1"/>
+          </a:fontRef>
+        </p:style>
+      </p:cxnSp>
+      <p:sp>
+        <p:nvSpPr>
+          <p:cNvPr id="26" name="CuadroTexto 25">
+            <a:extLst>
+              <a:ext uri="{FF2B5EF4-FFF2-40B4-BE49-F238E27FC236}">
+                <a16:creationId xmlns:a16="http://schemas.microsoft.com/office/drawing/2014/main" id="{18D655A7-C57F-F785-DEB0-475F7300A333}"/>
+              </a:ext>
+            </a:extLst>
+          </p:cNvPr>
+          <p:cNvSpPr txBox="1"/>
+          <p:nvPr/>
+        </p:nvSpPr>
+        <p:spPr>
+          <a:xfrm>
+            <a:off x="4115542" y="3218640"/>
+            <a:ext cx="1440611" cy="369332"/>
+          </a:xfrm>
+          <a:prstGeom prst="rect">
+            <a:avLst/>
+          </a:prstGeom>
+          <a:noFill/>
+        </p:spPr>
+        <p:txBody>
+          <a:bodyPr wrap="square" rtlCol="0">
+            <a:spAutoFit/>
+          </a:bodyPr>
+          <a:lstStyle/>
+          <a:p>
+            <a:pPr algn="ctr"/>
+            <a:r>
+              <a:rPr lang="es-ES" dirty="0" err="1"/>
+              <a:t>boton</a:t>
+            </a:r>
+            <a:endParaRPr lang="es-ES" dirty="0"/>
+          </a:p>
+        </p:txBody>
+      </p:sp>
     </p:spTree>
     <p:extLst>
       <p:ext uri="{BB962C8B-B14F-4D97-AF65-F5344CB8AC3E}">
